--- a/RMI.pptx
+++ b/RMI.pptx
@@ -5410,43 +5410,37 @@
           <a:p>
             <a:pPr rtl="0"/>
             <a:r>
+              <a:rPr lang="pt-BR" dirty="0"/>
+              <a:t>3</a:t>
+            </a:r>
+            <a:r>
               <a:rPr lang="pt-BR" sz="2000" dirty="0"/>
-              <a:t>6 Semáforos</a:t>
+              <a:t> Semáforos</a:t>
             </a:r>
           </a:p>
           <a:p>
             <a:pPr lvl="1"/>
             <a:r>
               <a:rPr lang="pt-BR" sz="2000" dirty="0"/>
-              <a:t>2 para cada arquivo</a:t>
+              <a:t>1 semáforo de acesso para cada arquivo</a:t>
             </a:r>
           </a:p>
           <a:p>
             <a:pPr lvl="2"/>
             <a:r>
+              <a:rPr lang="pt-BR" sz="1600" dirty="0"/>
+              <a:t>3 permissões (3 clientes podem acessar um arquivo ao mesmo tempo)</a:t>
+            </a:r>
+          </a:p>
+          <a:p>
+            <a:pPr lvl="1"/>
+            <a:r>
+              <a:rPr lang="pt-BR" sz="2000" dirty="0" err="1"/>
+              <a:t>Fairness</a:t>
+            </a:r>
+            <a:r>
               <a:rPr lang="pt-BR" sz="2000" dirty="0"/>
-              <a:t>1 de acesso ao arquivo e outro para escrita no arquivo</a:t>
-            </a:r>
-          </a:p>
-          <a:p>
-            <a:pPr lvl="1"/>
-            <a:r>
-              <a:rPr lang="pt-BR" sz="2000" dirty="0"/>
-              <a:t>Acesso: 3 permissões (3 clientes podem acessar um arquivo ao mesmo tempo)</a:t>
-            </a:r>
-          </a:p>
-          <a:p>
-            <a:pPr lvl="1"/>
-            <a:r>
-              <a:rPr lang="pt-BR" sz="2000" dirty="0"/>
-              <a:t>Escrita: 1 permissão (Apenas um cliente pode acessar um arquivo para escrever</a:t>
-            </a:r>
-          </a:p>
-          <a:p>
-            <a:pPr lvl="1"/>
-            <a:r>
-              <a:rPr lang="pt-BR" sz="2000" dirty="0"/>
-              <a:t>Fairness </a:t>
+              <a:t> </a:t>
             </a:r>
             <a:r>
               <a:rPr lang="pt-BR" sz="2000" dirty="0">
@@ -5563,14 +5557,14 @@
             <a:pPr lvl="1"/>
             <a:r>
               <a:rPr lang="pt-BR" sz="1800" dirty="0"/>
-              <a:t>Verifica o semáforo de escrita do arquivo numArq</a:t>
+              <a:t>Verifica o semáforo de acesso do arquivo numArq</a:t>
             </a:r>
           </a:p>
           <a:p>
             <a:pPr lvl="2"/>
             <a:r>
               <a:rPr lang="pt-BR" sz="1500" dirty="0"/>
-              <a:t>Se estiver ocupado, bloqueia o cliente que quer fazer a leitura até acabar a escrita</a:t>
+              <a:t>Se estiver com 0 permissão, bloqueia o cliente que quer fazer a leitura até acabar a escrita</a:t>
             </a:r>
           </a:p>
           <a:p>
@@ -5717,33 +5711,25 @@
             <a:pPr lvl="1"/>
             <a:r>
               <a:rPr lang="pt-BR" sz="1800" dirty="0"/>
-              <a:t>Verifica os semáforos de acesso e escrita do arquivo numArq</a:t>
+              <a:t>Verifica o semáforo de acesso do arquivo numArq</a:t>
             </a:r>
           </a:p>
           <a:p>
             <a:pPr lvl="2"/>
             <a:r>
               <a:rPr lang="pt-BR" sz="1500" dirty="0"/>
-              <a:t>Se houver alguém lendo </a:t>
-            </a:r>
-            <a:r>
-              <a:rPr lang="pt-BR" sz="1500" b="1" dirty="0"/>
-              <a:t>ou</a:t>
-            </a:r>
-            <a:r>
-              <a:rPr lang="pt-BR" sz="1500" dirty="0"/>
-              <a:t> escrevendo, o cliente é bloqueado</a:t>
+              <a:t>Se houver menos que 3 permissões, o cliente é bloqueado até poder escrever</a:t>
             </a:r>
           </a:p>
           <a:p>
             <a:pPr lvl="1"/>
             <a:r>
               <a:rPr lang="pt-BR" sz="1800" dirty="0"/>
-              <a:t>Pega a permissão no semáforo de escrita e em seguida 3 permiss</a:t>
+              <a:t>Pega as três permissões </a:t>
             </a:r>
             <a:r>
               <a:rPr lang="pt-BR" dirty="0"/>
-              <a:t>ões de acesso </a:t>
+              <a:t>de acesso </a:t>
             </a:r>
             <a:r>
               <a:rPr lang="pt-BR" sz="1800" dirty="0"/>
@@ -5780,7 +5766,7 @@
             </a:r>
             <a:r>
               <a:rPr lang="pt-BR" sz="1800" dirty="0"/>
-              <a:t> permissões de acesso e depois a de escrita (release())</a:t>
+              <a:t> permissões de acesso (release())</a:t>
             </a:r>
           </a:p>
           <a:p>
@@ -5890,55 +5876,75 @@
           <a:p>
             <a:pPr rtl="0"/>
             <a:r>
+              <a:rPr lang="pt-BR" dirty="0"/>
+              <a:t>9</a:t>
+            </a:r>
+            <a:r>
               <a:rPr lang="pt-BR" sz="2000" dirty="0"/>
-              <a:t>6 Semáforos</a:t>
+              <a:t> Semáforos</a:t>
             </a:r>
           </a:p>
           <a:p>
             <a:pPr lvl="1"/>
             <a:r>
               <a:rPr lang="pt-BR" sz="2000" dirty="0"/>
-              <a:t>2 para cada arquivo</a:t>
+              <a:t>3 para cada arquivo</a:t>
             </a:r>
           </a:p>
           <a:p>
             <a:pPr lvl="2"/>
             <a:r>
               <a:rPr lang="pt-BR" sz="2000" dirty="0"/>
-              <a:t>1 de acesso ao arquivo e outro para escrita no arquivo</a:t>
-            </a:r>
+              <a:t>1 de acesso ao arquivo com 3 permissões</a:t>
+            </a:r>
+          </a:p>
+          <a:p>
+            <a:pPr lvl="2"/>
+            <a:r>
+              <a:rPr lang="pt-BR" sz="2000" dirty="0"/>
+              <a:t>1 de escrita ao arquivo com 1 permissão</a:t>
+            </a:r>
+          </a:p>
+          <a:p>
+            <a:pPr lvl="2"/>
+            <a:r>
+              <a:rPr lang="pt-BR" sz="2000" dirty="0"/>
+              <a:t>1 para o </a:t>
+            </a:r>
+            <a:r>
+              <a:rPr lang="pt-BR" sz="2000" dirty="0" err="1"/>
+              <a:t>readcount</a:t>
+            </a:r>
+            <a:endParaRPr lang="pt-BR" sz="2000" dirty="0"/>
           </a:p>
           <a:p>
             <a:pPr lvl="1"/>
             <a:r>
+              <a:rPr lang="pt-BR" sz="2000" dirty="0" err="1"/>
+              <a:t>Fairness</a:t>
+            </a:r>
+            <a:r>
               <a:rPr lang="pt-BR" sz="2000" dirty="0"/>
-              <a:t>Acesso: 3 permissões (3 clientes podem acessar um arquivo ao mesmo tempo)</a:t>
-            </a:r>
-          </a:p>
-          <a:p>
-            <a:pPr lvl="1"/>
-            <a:r>
-              <a:rPr lang="pt-BR" sz="2000" dirty="0"/>
-              <a:t>Escrita: 1 permissão (Apenas um cliente pode acessar um arquivo para escrever</a:t>
-            </a:r>
-          </a:p>
-          <a:p>
-            <a:pPr lvl="1"/>
-            <a:r>
-              <a:rPr lang="pt-BR" sz="2000" dirty="0"/>
-              <a:t>Fairness </a:t>
+              <a:t> </a:t>
             </a:r>
             <a:r>
               <a:rPr lang="pt-BR" sz="2000" dirty="0">
                 <a:solidFill>
-                  <a:srgbClr val="FF0000"/>
+                  <a:srgbClr val="00B050"/>
                 </a:solidFill>
               </a:rPr>
-              <a:t>FALSE</a:t>
+              <a:t>TRUE</a:t>
             </a:r>
             <a:r>
               <a:rPr lang="pt-BR" sz="2000" dirty="0"/>
-              <a:t> para evitar FIFO</a:t>
+              <a:t> para garantir FIFO nas requisições</a:t>
+            </a:r>
+          </a:p>
+          <a:p>
+            <a:pPr lvl="2"/>
+            <a:r>
+              <a:rPr lang="pt-BR" sz="1600" dirty="0"/>
+              <a:t>Os semáforos controlam a ordem as ações</a:t>
             </a:r>
           </a:p>
         </p:txBody>
@@ -6002,8 +6008,12 @@
           <a:p>
             <a:pPr rtl="0"/>
             <a:r>
+              <a:rPr lang="pt-BR" u="sng" dirty="0"/>
+              <a:t>Servidor</a:t>
+            </a:r>
+            <a:r>
               <a:rPr lang="pt-BR" dirty="0"/>
-              <a:t>Servidor (com prioridades)</a:t>
+              <a:t> (com prioridades)</a:t>
             </a:r>
           </a:p>
         </p:txBody>
@@ -6042,36 +6052,78 @@
           <a:p>
             <a:pPr lvl="1"/>
             <a:r>
+              <a:rPr lang="pt-BR" sz="1800" dirty="0"/>
+              <a:t>Pede permissão aos semáforos de acesso e </a:t>
+            </a:r>
+            <a:r>
+              <a:rPr lang="pt-BR" sz="1800" dirty="0" err="1"/>
+              <a:t>readcount</a:t>
+            </a:r>
+            <a:r>
+              <a:rPr lang="pt-BR" sz="1800" dirty="0"/>
+              <a:t> do arquivo (</a:t>
+            </a:r>
+            <a:r>
+              <a:rPr lang="pt-BR" sz="1800" dirty="0" err="1"/>
+              <a:t>aquire</a:t>
+            </a:r>
+            <a:r>
               <a:rPr lang="pt-BR" dirty="0"/>
-              <a:t>Igual ao Servidor sem prioridades</a:t>
-            </a:r>
+              <a:t>())</a:t>
+            </a:r>
+            <a:endParaRPr lang="pt-BR" sz="1800" dirty="0"/>
+          </a:p>
+          <a:p>
+            <a:pPr lvl="2"/>
+            <a:r>
+              <a:rPr lang="pt-BR" dirty="0"/>
+              <a:t> Incrementa </a:t>
+            </a:r>
+            <a:r>
+              <a:rPr lang="pt-BR" dirty="0" err="1"/>
+              <a:t>readcount</a:t>
+            </a:r>
+            <a:r>
+              <a:rPr lang="pt-BR" dirty="0"/>
+              <a:t> e bloqueia a escrita</a:t>
+            </a:r>
+          </a:p>
+          <a:p>
+            <a:pPr lvl="2"/>
+            <a:r>
+              <a:rPr lang="pt-BR" dirty="0"/>
+              <a:t> Libera o semáforo de </a:t>
+            </a:r>
+            <a:r>
+              <a:rPr lang="pt-BR" dirty="0" err="1"/>
+              <a:t>readcount</a:t>
+            </a:r>
+            <a:endParaRPr lang="pt-BR" dirty="0"/>
           </a:p>
           <a:p>
             <a:pPr lvl="1"/>
             <a:r>
               <a:rPr lang="pt-BR" sz="1800" dirty="0"/>
-              <a:t>Verifica o semáforo de escrita do arquivo numArq</a:t>
-            </a:r>
-          </a:p>
-          <a:p>
-            <a:pPr lvl="2"/>
-            <a:r>
-              <a:rPr lang="pt-BR" sz="1500" dirty="0"/>
-              <a:t>Se estiver ocupado, bloqueia o cliente que quer fazer a leitura até acabar a escrita</a:t>
+              <a:t>Pega uma permissão no semáforo de acesso (</a:t>
+            </a:r>
+            <a:r>
+              <a:rPr lang="pt-BR" sz="1800" dirty="0" err="1"/>
+              <a:t>aquire</a:t>
+            </a:r>
+            <a:r>
+              <a:rPr lang="pt-BR" sz="1800" dirty="0"/>
+              <a:t>())</a:t>
             </a:r>
           </a:p>
           <a:p>
             <a:pPr lvl="1"/>
             <a:r>
+              <a:rPr lang="pt-BR" sz="1800" dirty="0" err="1"/>
+              <a:t>Sleep</a:t>
+            </a:r>
+            <a:r>
               <a:rPr lang="pt-BR" sz="1800" dirty="0"/>
-              <a:t>Pega uma permissão no semáforo de acesso (aquire())</a:t>
-            </a:r>
-          </a:p>
-          <a:p>
-            <a:pPr lvl="1"/>
-            <a:r>
-              <a:rPr lang="pt-BR" sz="1800" dirty="0"/>
-              <a:t>Sleep(5000) para simular uma leitura de 5 segundos</a:t>
+              <a:t>(5000) para simular uma leitura de 5 segundos</a:t>
             </a:r>
           </a:p>
           <a:p>
@@ -6084,9 +6136,68 @@
           <a:p>
             <a:pPr lvl="1"/>
             <a:r>
+              <a:rPr lang="pt-BR" dirty="0"/>
+              <a:t>Chama semáforo do </a:t>
+            </a:r>
+            <a:r>
+              <a:rPr lang="pt-BR" dirty="0" err="1"/>
+              <a:t>readcount</a:t>
+            </a:r>
+            <a:endParaRPr lang="pt-BR" dirty="0"/>
+          </a:p>
+          <a:p>
+            <a:pPr lvl="1"/>
+            <a:r>
               <a:rPr lang="pt-BR" sz="1800" dirty="0"/>
-              <a:t>Libera uma permissão do semáforo de acesso (release())</a:t>
-            </a:r>
+              <a:t>Decrementa </a:t>
+            </a:r>
+            <a:r>
+              <a:rPr lang="pt-BR" sz="1800" dirty="0" err="1"/>
+              <a:t>readcount</a:t>
+            </a:r>
+            <a:endParaRPr lang="pt-BR" sz="1800" dirty="0"/>
+          </a:p>
+          <a:p>
+            <a:pPr lvl="2"/>
+            <a:r>
+              <a:rPr lang="pt-BR" dirty="0"/>
+              <a:t>Se </a:t>
+            </a:r>
+            <a:r>
+              <a:rPr lang="pt-BR" dirty="0" err="1"/>
+              <a:t>readcount</a:t>
+            </a:r>
+            <a:r>
+              <a:rPr lang="pt-BR" dirty="0"/>
+              <a:t> = 0, libera o semáforo de escrita, desbloqueando para escritor (release())</a:t>
+            </a:r>
+          </a:p>
+          <a:p>
+            <a:pPr lvl="2"/>
+            <a:r>
+              <a:rPr lang="pt-BR" dirty="0"/>
+              <a:t>Libera </a:t>
+            </a:r>
+            <a:r>
+              <a:rPr lang="pt-BR" dirty="0" err="1"/>
+              <a:t>readcount</a:t>
+            </a:r>
+            <a:endParaRPr lang="pt-BR" dirty="0"/>
+          </a:p>
+          <a:p>
+            <a:pPr lvl="1"/>
+            <a:r>
+              <a:rPr lang="pt-BR" dirty="0"/>
+              <a:t>Libera o semáforo de acesso (release())</a:t>
+            </a:r>
+          </a:p>
+          <a:p>
+            <a:pPr lvl="2"/>
+            <a:endParaRPr lang="pt-BR" dirty="0"/>
+          </a:p>
+          <a:p>
+            <a:pPr lvl="1"/>
+            <a:endParaRPr lang="pt-BR" sz="1800" dirty="0"/>
           </a:p>
           <a:p>
             <a:pPr marL="667512" lvl="2" indent="0">
@@ -6204,37 +6315,37 @@
             <a:pPr lvl="1"/>
             <a:r>
               <a:rPr lang="pt-BR" sz="1800" dirty="0"/>
-              <a:t>Verifica os semáforos de acesso e escrita do arquivo numArq</a:t>
+              <a:t>Chama o semáforo de escrita do arquivo </a:t>
+            </a:r>
+            <a:r>
+              <a:rPr lang="pt-BR" sz="1800" dirty="0" err="1"/>
+              <a:t>numArq</a:t>
+            </a:r>
+            <a:r>
+              <a:rPr lang="pt-BR" sz="1800" dirty="0"/>
+              <a:t> (</a:t>
+            </a:r>
+            <a:r>
+              <a:rPr lang="pt-BR" sz="1800" dirty="0" err="1"/>
+              <a:t>aquire</a:t>
+            </a:r>
+            <a:r>
+              <a:rPr lang="pt-BR" sz="1800" dirty="0"/>
+              <a:t>())</a:t>
             </a:r>
           </a:p>
           <a:p>
             <a:pPr lvl="2"/>
             <a:r>
               <a:rPr lang="pt-BR" sz="1500" dirty="0"/>
-              <a:t>Se houver alguém lendo </a:t>
-            </a:r>
-            <a:r>
-              <a:rPr lang="pt-BR" sz="1500" b="1" dirty="0"/>
-              <a:t>ou</a:t>
-            </a:r>
-            <a:r>
-              <a:rPr lang="pt-BR" sz="1500" dirty="0"/>
-              <a:t> escrevendo, o cliente é bloqueado</a:t>
+              <a:t>Se houver 0 permissão, significa que há pelo menos 1  leitor, então bloqueia até poder</a:t>
             </a:r>
           </a:p>
           <a:p>
             <a:pPr lvl="1"/>
             <a:r>
               <a:rPr lang="pt-BR" sz="1800" dirty="0"/>
-              <a:t>Pega as permissões no semáforo de acesso e em seguida a permissão</a:t>
-            </a:r>
-            <a:r>
-              <a:rPr lang="pt-BR" dirty="0"/>
-              <a:t> de escrita </a:t>
-            </a:r>
-            <a:r>
-              <a:rPr lang="pt-BR" sz="1800" dirty="0"/>
-              <a:t>(aquire())</a:t>
+              <a:t>Quando liberado, escreve no arquivo</a:t>
             </a:r>
           </a:p>
           <a:p>
@@ -6255,17 +6366,6 @@
           <a:p>
             <a:pPr lvl="1"/>
             <a:r>
-              <a:rPr lang="pt-BR" dirty="0"/>
-              <a:t>Escreve</a:t>
-            </a:r>
-            <a:r>
-              <a:rPr lang="pt-BR" sz="1800" dirty="0"/>
-              <a:t> no arquivo</a:t>
-            </a:r>
-          </a:p>
-          <a:p>
-            <a:pPr lvl="1"/>
-            <a:r>
               <a:rPr lang="pt-BR" sz="1800" dirty="0"/>
               <a:t>Libera </a:t>
             </a:r>
@@ -6275,7 +6375,7 @@
             </a:r>
             <a:r>
               <a:rPr lang="pt-BR" sz="1800" dirty="0"/>
-              <a:t> permissão de escrita e depois as de acesso (release())</a:t>
+              <a:t> permissão de (release())</a:t>
             </a:r>
           </a:p>
           <a:p>

--- a/RMI.pptx
+++ b/RMI.pptx
@@ -5556,8 +5556,12 @@
           <a:p>
             <a:pPr lvl="1"/>
             <a:r>
+              <a:rPr lang="pt-BR" dirty="0"/>
+              <a:t>Pede uma permissão</a:t>
+            </a:r>
+            <a:r>
               <a:rPr lang="pt-BR" sz="1800" dirty="0"/>
-              <a:t>Verifica o semáforo de acesso do arquivo numArq</a:t>
+              <a:t> do semáforo de acesso do arquivo numArq</a:t>
             </a:r>
           </a:p>
           <a:p>
@@ -5711,7 +5715,7 @@
             <a:pPr lvl="1"/>
             <a:r>
               <a:rPr lang="pt-BR" sz="1800" dirty="0"/>
-              <a:t>Verifica o semáforo de acesso do arquivo numArq</a:t>
+              <a:t>Pede uma permissão do semáforo de acesso do arquivo numArq</a:t>
             </a:r>
           </a:p>
           <a:p>
@@ -5719,6 +5723,13 @@
             <a:r>
               <a:rPr lang="pt-BR" sz="1500" dirty="0"/>
               <a:t>Se houver menos que 3 permissões, o cliente é bloqueado até poder escrever</a:t>
+            </a:r>
+          </a:p>
+          <a:p>
+            <a:pPr lvl="3"/>
+            <a:r>
+              <a:rPr lang="pt-BR" sz="1500" dirty="0"/>
+              <a:t>Significa que há leitor</a:t>
             </a:r>
           </a:p>
           <a:p>
